--- a/proyecto/informe/Presentación algorítmo.pptx
+++ b/proyecto/informe/Presentación algorítmo.pptx
@@ -5532,11 +5532,7 @@
             </a:r>
             <a:r>
               <a:rPr lang="es-CO" dirty="0" smtClean="0"/>
-              <a:t>Cómo </a:t>
-            </a:r>
-            <a:r>
-              <a:rPr lang="es-CO" dirty="0" smtClean="0"/>
-              <a:t>funciona?</a:t>
+              <a:t>Cómo funciona?</a:t>
             </a:r>
             <a:endParaRPr lang="es-CO" dirty="0"/>
           </a:p>
@@ -5566,23 +5562,33 @@
           <a:p>
             <a:r>
               <a:rPr lang="es-CO" dirty="0" smtClean="0"/>
-              <a:t>Trazar ruta </a:t>
-            </a:r>
+              <a:t>Trazar ruta directa del inicio a la estación más cercana</a:t>
+            </a:r>
+          </a:p>
+          <a:p>
+            <a:endParaRPr lang="es-CO" dirty="0" smtClean="0"/>
+          </a:p>
+          <a:p>
             <a:r>
               <a:rPr lang="es-CO" dirty="0" smtClean="0"/>
-              <a:t>directa </a:t>
-            </a:r>
+              <a:t>Trazar ruta directa de estación a estación hasta haberlas recorrido todas</a:t>
+            </a:r>
+          </a:p>
+          <a:p>
+            <a:endParaRPr lang="es-CO" dirty="0" smtClean="0"/>
+          </a:p>
+          <a:p>
             <a:r>
               <a:rPr lang="es-CO" dirty="0" smtClean="0"/>
-              <a:t>del </a:t>
+              <a:t>Mirar clientes </a:t>
             </a:r>
             <a:r>
               <a:rPr lang="es-CO" dirty="0" smtClean="0"/>
-              <a:t>inicio </a:t>
+              <a:t>más </a:t>
             </a:r>
             <a:r>
               <a:rPr lang="es-CO" dirty="0" smtClean="0"/>
-              <a:t>a la estación más cercana</a:t>
+              <a:t>cercanos a la ruta “inicio-estación1” y agregarlos a la ruta, mirando el gasto de batería</a:t>
             </a:r>
           </a:p>
           <a:p>
@@ -5591,72 +5597,17 @@
           <a:p>
             <a:r>
               <a:rPr lang="es-CO" dirty="0" smtClean="0"/>
-              <a:t>Trazar ruta directa de </a:t>
-            </a:r>
+              <a:t>Si al llegar a la estación, todavía faltan clientes de los cercanos, ir por ellos</a:t>
+            </a:r>
+          </a:p>
+          <a:p>
+            <a:endParaRPr lang="es-CO" dirty="0" smtClean="0"/>
+          </a:p>
+          <a:p>
             <a:r>
               <a:rPr lang="es-CO" dirty="0" smtClean="0"/>
-              <a:t>estación a estación hasta haberlas recorrido todas</a:t>
-            </a:r>
-          </a:p>
-          <a:p>
-            <a:endParaRPr lang="es-CO" dirty="0" smtClean="0"/>
-          </a:p>
-          <a:p>
-            <a:r>
-              <a:rPr lang="es-CO" dirty="0" smtClean="0"/>
-              <a:t>Mirar </a:t>
-            </a:r>
-            <a:r>
-              <a:rPr lang="es-CO" dirty="0" smtClean="0"/>
-              <a:t>clientes mas cercanos </a:t>
-            </a:r>
-            <a:r>
-              <a:rPr lang="es-CO" dirty="0" smtClean="0"/>
-              <a:t>a la ruta “inicio-estación1” </a:t>
-            </a:r>
-            <a:r>
-              <a:rPr lang="es-CO" dirty="0" smtClean="0"/>
-              <a:t>y agregarlos a la </a:t>
-            </a:r>
-            <a:r>
-              <a:rPr lang="es-CO" dirty="0" smtClean="0"/>
-              <a:t>ruta, </a:t>
-            </a:r>
-            <a:r>
-              <a:rPr lang="es-CO" dirty="0" smtClean="0"/>
-              <a:t>mirando el gasto de </a:t>
-            </a:r>
-            <a:r>
-              <a:rPr lang="es-CO" dirty="0" smtClean="0"/>
-              <a:t>batería</a:t>
-            </a:r>
-          </a:p>
-          <a:p>
-            <a:endParaRPr lang="es-CO" dirty="0" smtClean="0"/>
-          </a:p>
-          <a:p>
-            <a:r>
-              <a:rPr lang="es-CO" dirty="0" smtClean="0"/>
-              <a:t>Si </a:t>
-            </a:r>
-            <a:r>
-              <a:rPr lang="es-CO" dirty="0" smtClean="0"/>
-              <a:t>al llegar a la estación, todavía faltan clientes de los cercanos, ir por ellos</a:t>
-            </a:r>
-          </a:p>
-          <a:p>
-            <a:endParaRPr lang="es-CO" dirty="0" smtClean="0"/>
-          </a:p>
-          <a:p>
-            <a:r>
-              <a:rPr lang="es-CO" dirty="0" smtClean="0"/>
-              <a:t>Hacer lo mismo entre la </a:t>
-            </a:r>
-            <a:r>
-              <a:rPr lang="es-CO" dirty="0" smtClean="0"/>
-              <a:t>estación 2-3</a:t>
-            </a:r>
-            <a:endParaRPr lang="es-CO" dirty="0" smtClean="0"/>
+              <a:t>Hacer lo mismo entre la estación 2-3</a:t>
+            </a:r>
           </a:p>
           <a:p>
             <a:endParaRPr lang="es-CO" dirty="0"/>
